--- a/Hult Prize (2).pptx
+++ b/Hult Prize (2).pptx
@@ -11,9 +11,9 @@
     <p:sldId id="290" r:id="rId5"/>
     <p:sldId id="291" r:id="rId6"/>
     <p:sldId id="264" r:id="rId7"/>
-    <p:sldId id="265" r:id="rId8"/>
-    <p:sldId id="266" r:id="rId9"/>
-    <p:sldId id="297" r:id="rId10"/>
+    <p:sldId id="297" r:id="rId8"/>
+    <p:sldId id="265" r:id="rId9"/>
+    <p:sldId id="266" r:id="rId10"/>
     <p:sldId id="281" r:id="rId11"/>
     <p:sldId id="296" r:id="rId12"/>
     <p:sldId id="288" r:id="rId13"/>
@@ -219,7 +219,6 @@
             <c:showLeaderLines val="0"/>
             <c:extLst>
               <c:ext xmlns:c15="http://schemas.microsoft.com/office/drawing/2012/chart" uri="{CE6537A1-D6FC-4f65-9D91-7224C49458BB}">
-                <c15:layout/>
                 <c15:showLeaderLines val="1"/>
                 <c15:leaderLines>
                   <c:spPr>
@@ -285,11 +284,11 @@
         </c:dLbls>
         <c:gapWidth val="219"/>
         <c:overlap val="-27"/>
-        <c:axId val="17578976"/>
-        <c:axId val="17581152"/>
+        <c:axId val="-969917408"/>
+        <c:axId val="-849063264"/>
       </c:barChart>
       <c:catAx>
-        <c:axId val="17578976"/>
+        <c:axId val="-969917408"/>
         <c:scaling>
           <c:orientation val="minMax"/>
         </c:scaling>
@@ -396,7 +395,7 @@
             <a:endParaRPr lang="en-US"/>
           </a:p>
         </c:txPr>
-        <c:crossAx val="17581152"/>
+        <c:crossAx val="-849063264"/>
         <c:crosses val="autoZero"/>
         <c:auto val="1"/>
         <c:lblAlgn val="ctr"/>
@@ -404,7 +403,7 @@
         <c:noMultiLvlLbl val="0"/>
       </c:catAx>
       <c:valAx>
-        <c:axId val="17581152"/>
+        <c:axId val="-849063264"/>
         <c:scaling>
           <c:orientation val="minMax"/>
         </c:scaling>
@@ -523,7 +522,7 @@
             <a:endParaRPr lang="en-US"/>
           </a:p>
         </c:txPr>
-        <c:crossAx val="17578976"/>
+        <c:crossAx val="-969917408"/>
         <c:crosses val="autoZero"/>
         <c:crossBetween val="between"/>
       </c:valAx>
@@ -15324,6 +15323,114 @@
       </p:grpSpPr>
       <p:sp>
         <p:nvSpPr>
+          <p:cNvPr id="2" name="Title 1"/>
+          <p:cNvSpPr>
+            <a:spLocks noGrp="1"/>
+          </p:cNvSpPr>
+          <p:nvPr>
+            <p:ph type="title"/>
+          </p:nvPr>
+        </p:nvSpPr>
+        <p:spPr>
+          <a:xfrm>
+            <a:off x="2489894" y="160471"/>
+            <a:ext cx="8911687" cy="1280890"/>
+          </a:xfrm>
+        </p:spPr>
+        <p:txBody>
+          <a:bodyPr/>
+          <a:lstStyle/>
+          <a:p>
+            <a:r>
+              <a:rPr lang="en-US" dirty="0" smtClean="0"/>
+              <a:t>How to use</a:t>
+            </a:r>
+            <a:endParaRPr lang="en-US" dirty="0"/>
+          </a:p>
+        </p:txBody>
+      </p:sp>
+      <p:pic>
+        <p:nvPicPr>
+          <p:cNvPr id="4" name="Content Placeholder 3"/>
+          <p:cNvPicPr>
+            <a:picLocks noGrp="1" noChangeAspect="1"/>
+          </p:cNvPicPr>
+          <p:nvPr>
+            <p:ph idx="1"/>
+          </p:nvPr>
+        </p:nvPicPr>
+        <p:blipFill>
+          <a:blip r:embed="rId2"/>
+          <a:stretch>
+            <a:fillRect/>
+          </a:stretch>
+        </p:blipFill>
+        <p:spPr>
+          <a:xfrm>
+            <a:off x="2237453" y="1221158"/>
+            <a:ext cx="2772429" cy="5631949"/>
+          </a:xfrm>
+          <a:prstGeom prst="rect">
+            <a:avLst/>
+          </a:prstGeom>
+        </p:spPr>
+      </p:pic>
+      <p:pic>
+        <p:nvPicPr>
+          <p:cNvPr id="5" name="Picture 4"/>
+          <p:cNvPicPr>
+            <a:picLocks noChangeAspect="1"/>
+          </p:cNvPicPr>
+          <p:nvPr/>
+        </p:nvPicPr>
+        <p:blipFill>
+          <a:blip r:embed="rId3"/>
+          <a:stretch>
+            <a:fillRect/>
+          </a:stretch>
+        </p:blipFill>
+        <p:spPr>
+          <a:xfrm>
+            <a:off x="7418231" y="1221159"/>
+            <a:ext cx="2743199" cy="5602249"/>
+          </a:xfrm>
+          <a:prstGeom prst="rect">
+            <a:avLst/>
+          </a:prstGeom>
+        </p:spPr>
+      </p:pic>
+    </p:spTree>
+    <p:extLst>
+      <p:ext uri="{BB962C8B-B14F-4D97-AF65-F5344CB8AC3E}">
+        <p14:creationId xmlns:p14="http://schemas.microsoft.com/office/powerpoint/2010/main" val="3432121144"/>
+      </p:ext>
+    </p:extLst>
+  </p:cSld>
+  <p:clrMapOvr>
+    <a:masterClrMapping/>
+  </p:clrMapOvr>
+</p:sld>
+</file>
+
+<file path=ppt/slides/slide8.xml><?xml version="1.0" encoding="utf-8"?>
+<p:sld xmlns:a="http://schemas.openxmlformats.org/drawingml/2006/main" xmlns:r="http://schemas.openxmlformats.org/officeDocument/2006/relationships" xmlns:p="http://schemas.openxmlformats.org/presentationml/2006/main">
+  <p:cSld>
+    <p:spTree>
+      <p:nvGrpSpPr>
+        <p:cNvPr id="1" name=""/>
+        <p:cNvGrpSpPr/>
+        <p:nvPr/>
+      </p:nvGrpSpPr>
+      <p:grpSpPr>
+        <a:xfrm>
+          <a:off x="0" y="0"/>
+          <a:ext cx="0" cy="0"/>
+          <a:chOff x="0" y="0"/>
+          <a:chExt cx="0" cy="0"/>
+        </a:xfrm>
+      </p:grpSpPr>
+      <p:sp>
+        <p:nvSpPr>
           <p:cNvPr id="3" name="Content Placeholder 2"/>
           <p:cNvSpPr>
             <a:spLocks noGrp="1"/>
@@ -15658,7 +15765,7 @@
 </p:sld>
 </file>
 
-<file path=ppt/slides/slide8.xml><?xml version="1.0" encoding="utf-8"?>
+<file path=ppt/slides/slide9.xml><?xml version="1.0" encoding="utf-8"?>
 <p:sld xmlns:a="http://schemas.openxmlformats.org/drawingml/2006/main" xmlns:r="http://schemas.openxmlformats.org/officeDocument/2006/relationships" xmlns:p="http://schemas.openxmlformats.org/presentationml/2006/main">
   <p:cSld>
     <p:spTree>
@@ -16028,114 +16135,6 @@
 </p:sld>
 </file>
 
-<file path=ppt/slides/slide9.xml><?xml version="1.0" encoding="utf-8"?>
-<p:sld xmlns:a="http://schemas.openxmlformats.org/drawingml/2006/main" xmlns:r="http://schemas.openxmlformats.org/officeDocument/2006/relationships" xmlns:p="http://schemas.openxmlformats.org/presentationml/2006/main">
-  <p:cSld>
-    <p:spTree>
-      <p:nvGrpSpPr>
-        <p:cNvPr id="1" name=""/>
-        <p:cNvGrpSpPr/>
-        <p:nvPr/>
-      </p:nvGrpSpPr>
-      <p:grpSpPr>
-        <a:xfrm>
-          <a:off x="0" y="0"/>
-          <a:ext cx="0" cy="0"/>
-          <a:chOff x="0" y="0"/>
-          <a:chExt cx="0" cy="0"/>
-        </a:xfrm>
-      </p:grpSpPr>
-      <p:sp>
-        <p:nvSpPr>
-          <p:cNvPr id="2" name="Title 1"/>
-          <p:cNvSpPr>
-            <a:spLocks noGrp="1"/>
-          </p:cNvSpPr>
-          <p:nvPr>
-            <p:ph type="title"/>
-          </p:nvPr>
-        </p:nvSpPr>
-        <p:spPr>
-          <a:xfrm>
-            <a:off x="2489894" y="160471"/>
-            <a:ext cx="8911687" cy="1280890"/>
-          </a:xfrm>
-        </p:spPr>
-        <p:txBody>
-          <a:bodyPr/>
-          <a:lstStyle/>
-          <a:p>
-            <a:r>
-              <a:rPr lang="en-US" dirty="0" smtClean="0"/>
-              <a:t>Prototype</a:t>
-            </a:r>
-            <a:endParaRPr lang="en-US" dirty="0"/>
-          </a:p>
-        </p:txBody>
-      </p:sp>
-      <p:pic>
-        <p:nvPicPr>
-          <p:cNvPr id="4" name="Content Placeholder 3"/>
-          <p:cNvPicPr>
-            <a:picLocks noGrp="1" noChangeAspect="1"/>
-          </p:cNvPicPr>
-          <p:nvPr>
-            <p:ph idx="1"/>
-          </p:nvPr>
-        </p:nvPicPr>
-        <p:blipFill>
-          <a:blip r:embed="rId2"/>
-          <a:stretch>
-            <a:fillRect/>
-          </a:stretch>
-        </p:blipFill>
-        <p:spPr>
-          <a:xfrm>
-            <a:off x="2237453" y="1221158"/>
-            <a:ext cx="2772429" cy="5631949"/>
-          </a:xfrm>
-          <a:prstGeom prst="rect">
-            <a:avLst/>
-          </a:prstGeom>
-        </p:spPr>
-      </p:pic>
-      <p:pic>
-        <p:nvPicPr>
-          <p:cNvPr id="5" name="Picture 4"/>
-          <p:cNvPicPr>
-            <a:picLocks noChangeAspect="1"/>
-          </p:cNvPicPr>
-          <p:nvPr/>
-        </p:nvPicPr>
-        <p:blipFill>
-          <a:blip r:embed="rId3"/>
-          <a:stretch>
-            <a:fillRect/>
-          </a:stretch>
-        </p:blipFill>
-        <p:spPr>
-          <a:xfrm>
-            <a:off x="7418231" y="1221159"/>
-            <a:ext cx="2743199" cy="5602249"/>
-          </a:xfrm>
-          <a:prstGeom prst="rect">
-            <a:avLst/>
-          </a:prstGeom>
-        </p:spPr>
-      </p:pic>
-    </p:spTree>
-    <p:extLst>
-      <p:ext uri="{BB962C8B-B14F-4D97-AF65-F5344CB8AC3E}">
-        <p14:creationId xmlns:p14="http://schemas.microsoft.com/office/powerpoint/2010/main" val="3432121144"/>
-      </p:ext>
-    </p:extLst>
-  </p:cSld>
-  <p:clrMapOvr>
-    <a:masterClrMapping/>
-  </p:clrMapOvr>
-</p:sld>
-</file>
-
 <file path=ppt/theme/theme1.xml><?xml version="1.0" encoding="utf-8"?>
 <a:theme xmlns:a="http://schemas.openxmlformats.org/drawingml/2006/main" name="Wisp">
   <a:themeElements>
